--- a/presentation/pres.pptx
+++ b/presentation/pres.pptx
@@ -5,20 +5,26 @@
     <p:sldMasterId id="2147483660" r:id="rId1"/>
   </p:sldMasterIdLst>
   <p:notesMasterIdLst>
-    <p:notesMasterId r:id="rId13"/>
+    <p:notesMasterId r:id="rId19"/>
   </p:notesMasterIdLst>
   <p:sldIdLst>
     <p:sldId id="256" r:id="rId2"/>
     <p:sldId id="260" r:id="rId3"/>
-    <p:sldId id="257" r:id="rId4"/>
-    <p:sldId id="258" r:id="rId5"/>
-    <p:sldId id="259" r:id="rId6"/>
-    <p:sldId id="261" r:id="rId7"/>
-    <p:sldId id="262" r:id="rId8"/>
-    <p:sldId id="265" r:id="rId9"/>
-    <p:sldId id="263" r:id="rId10"/>
-    <p:sldId id="266" r:id="rId11"/>
-    <p:sldId id="264" r:id="rId12"/>
+    <p:sldId id="258" r:id="rId4"/>
+    <p:sldId id="267" r:id="rId5"/>
+    <p:sldId id="257" r:id="rId6"/>
+    <p:sldId id="259" r:id="rId7"/>
+    <p:sldId id="268" r:id="rId8"/>
+    <p:sldId id="261" r:id="rId9"/>
+    <p:sldId id="262" r:id="rId10"/>
+    <p:sldId id="265" r:id="rId11"/>
+    <p:sldId id="270" r:id="rId12"/>
+    <p:sldId id="271" r:id="rId13"/>
+    <p:sldId id="272" r:id="rId14"/>
+    <p:sldId id="273" r:id="rId15"/>
+    <p:sldId id="263" r:id="rId16"/>
+    <p:sldId id="266" r:id="rId17"/>
+    <p:sldId id="264" r:id="rId18"/>
   </p:sldIdLst>
   <p:sldSz cx="12192000" cy="6858000"/>
   <p:notesSz cx="6858000" cy="9144000"/>
@@ -207,7 +213,7 @@
           <a:p>
             <a:fld id="{7919105B-C62C-45FD-856C-1316BF7190C5}" type="datetimeFigureOut">
               <a:rPr lang="en-US"/>
-              <a:t>4/27/2014</a:t>
+              <a:t>5/6/2014</a:t>
             </a:fld>
             <a:endParaRPr lang="en-US"/>
           </a:p>
@@ -623,7 +629,7 @@
           <a:p>
             <a:fld id="{6BC82160-CC89-417A-9A1A-9F1641DC8443}" type="slidenum">
               <a:rPr lang="en-US"/>
-              <a:t>10</a:t>
+              <a:t>11</a:t>
             </a:fld>
             <a:endParaRPr lang="en-US"/>
           </a:p>
@@ -632,7 +638,7 @@
     </p:spTree>
     <p:extLst>
       <p:ext uri="{BB962C8B-B14F-4D97-AF65-F5344CB8AC3E}">
-        <p14:creationId xmlns:p14="http://schemas.microsoft.com/office/powerpoint/2010/main" val="1074260524"/>
+        <p14:creationId xmlns:p14="http://schemas.microsoft.com/office/powerpoint/2010/main" val="2849385527"/>
       </p:ext>
     </p:extLst>
   </p:cSld>
@@ -707,7 +713,427 @@
           <a:p>
             <a:fld id="{6BC82160-CC89-417A-9A1A-9F1641DC8443}" type="slidenum">
               <a:rPr lang="en-US"/>
-              <a:t>11</a:t>
+              <a:t>12</a:t>
+            </a:fld>
+            <a:endParaRPr lang="en-US"/>
+          </a:p>
+        </p:txBody>
+      </p:sp>
+    </p:spTree>
+    <p:extLst>
+      <p:ext uri="{BB962C8B-B14F-4D97-AF65-F5344CB8AC3E}">
+        <p14:creationId xmlns:p14="http://schemas.microsoft.com/office/powerpoint/2010/main" val="1189648897"/>
+      </p:ext>
+    </p:extLst>
+  </p:cSld>
+  <p:clrMapOvr>
+    <a:masterClrMapping/>
+  </p:clrMapOvr>
+</p:notes>
+</file>
+
+<file path=ppt/notesSlides/notesSlide12.xml><?xml version="1.0" encoding="utf-8"?>
+<p:notes xmlns:a="http://schemas.openxmlformats.org/drawingml/2006/main" xmlns:r="http://schemas.openxmlformats.org/officeDocument/2006/relationships" xmlns:p="http://schemas.openxmlformats.org/presentationml/2006/main">
+  <p:cSld>
+    <p:spTree>
+      <p:nvGrpSpPr>
+        <p:cNvPr id="1" name=""/>
+        <p:cNvGrpSpPr/>
+        <p:nvPr/>
+      </p:nvGrpSpPr>
+      <p:grpSpPr>
+        <a:xfrm>
+          <a:off x="0" y="0"/>
+          <a:ext cx="0" cy="0"/>
+          <a:chOff x="0" y="0"/>
+          <a:chExt cx="0" cy="0"/>
+        </a:xfrm>
+      </p:grpSpPr>
+      <p:sp>
+        <p:nvSpPr>
+          <p:cNvPr id="2" name="Slide Image Placeholder 1"/>
+          <p:cNvSpPr>
+            <a:spLocks noGrp="1" noRot="1" noChangeAspect="1"/>
+          </p:cNvSpPr>
+          <p:nvPr>
+            <p:ph type="sldImg"/>
+          </p:nvPr>
+        </p:nvSpPr>
+        <p:spPr/>
+      </p:sp>
+      <p:sp>
+        <p:nvSpPr>
+          <p:cNvPr id="3" name="Notes Placeholder 2"/>
+          <p:cNvSpPr>
+            <a:spLocks noGrp="1"/>
+          </p:cNvSpPr>
+          <p:nvPr>
+            <p:ph type="body" idx="1"/>
+          </p:nvPr>
+        </p:nvSpPr>
+        <p:spPr/>
+        <p:txBody>
+          <a:bodyPr/>
+          <a:lstStyle/>
+          <a:p>
+            <a:endParaRPr lang="en-US"/>
+          </a:p>
+        </p:txBody>
+      </p:sp>
+      <p:sp>
+        <p:nvSpPr>
+          <p:cNvPr id="4" name="Slide Number Placeholder 3"/>
+          <p:cNvSpPr>
+            <a:spLocks noGrp="1"/>
+          </p:cNvSpPr>
+          <p:nvPr>
+            <p:ph type="sldNum" sz="quarter" idx="10"/>
+          </p:nvPr>
+        </p:nvSpPr>
+        <p:spPr/>
+        <p:txBody>
+          <a:bodyPr/>
+          <a:lstStyle/>
+          <a:p>
+            <a:fld id="{6BC82160-CC89-417A-9A1A-9F1641DC8443}" type="slidenum">
+              <a:rPr lang="en-US"/>
+              <a:t>13</a:t>
+            </a:fld>
+            <a:endParaRPr lang="en-US"/>
+          </a:p>
+        </p:txBody>
+      </p:sp>
+    </p:spTree>
+    <p:extLst>
+      <p:ext uri="{BB962C8B-B14F-4D97-AF65-F5344CB8AC3E}">
+        <p14:creationId xmlns:p14="http://schemas.microsoft.com/office/powerpoint/2010/main" val="4219625483"/>
+      </p:ext>
+    </p:extLst>
+  </p:cSld>
+  <p:clrMapOvr>
+    <a:masterClrMapping/>
+  </p:clrMapOvr>
+</p:notes>
+</file>
+
+<file path=ppt/notesSlides/notesSlide13.xml><?xml version="1.0" encoding="utf-8"?>
+<p:notes xmlns:a="http://schemas.openxmlformats.org/drawingml/2006/main" xmlns:r="http://schemas.openxmlformats.org/officeDocument/2006/relationships" xmlns:p="http://schemas.openxmlformats.org/presentationml/2006/main">
+  <p:cSld>
+    <p:spTree>
+      <p:nvGrpSpPr>
+        <p:cNvPr id="1" name=""/>
+        <p:cNvGrpSpPr/>
+        <p:nvPr/>
+      </p:nvGrpSpPr>
+      <p:grpSpPr>
+        <a:xfrm>
+          <a:off x="0" y="0"/>
+          <a:ext cx="0" cy="0"/>
+          <a:chOff x="0" y="0"/>
+          <a:chExt cx="0" cy="0"/>
+        </a:xfrm>
+      </p:grpSpPr>
+      <p:sp>
+        <p:nvSpPr>
+          <p:cNvPr id="2" name="Slide Image Placeholder 1"/>
+          <p:cNvSpPr>
+            <a:spLocks noGrp="1" noRot="1" noChangeAspect="1"/>
+          </p:cNvSpPr>
+          <p:nvPr>
+            <p:ph type="sldImg"/>
+          </p:nvPr>
+        </p:nvSpPr>
+        <p:spPr/>
+      </p:sp>
+      <p:sp>
+        <p:nvSpPr>
+          <p:cNvPr id="3" name="Notes Placeholder 2"/>
+          <p:cNvSpPr>
+            <a:spLocks noGrp="1"/>
+          </p:cNvSpPr>
+          <p:nvPr>
+            <p:ph type="body" idx="1"/>
+          </p:nvPr>
+        </p:nvSpPr>
+        <p:spPr/>
+        <p:txBody>
+          <a:bodyPr/>
+          <a:lstStyle/>
+          <a:p>
+            <a:endParaRPr lang="en-US"/>
+          </a:p>
+        </p:txBody>
+      </p:sp>
+      <p:sp>
+        <p:nvSpPr>
+          <p:cNvPr id="4" name="Slide Number Placeholder 3"/>
+          <p:cNvSpPr>
+            <a:spLocks noGrp="1"/>
+          </p:cNvSpPr>
+          <p:nvPr>
+            <p:ph type="sldNum" sz="quarter" idx="10"/>
+          </p:nvPr>
+        </p:nvSpPr>
+        <p:spPr/>
+        <p:txBody>
+          <a:bodyPr/>
+          <a:lstStyle/>
+          <a:p>
+            <a:fld id="{6BC82160-CC89-417A-9A1A-9F1641DC8443}" type="slidenum">
+              <a:rPr lang="en-US"/>
+              <a:t>14</a:t>
+            </a:fld>
+            <a:endParaRPr lang="en-US"/>
+          </a:p>
+        </p:txBody>
+      </p:sp>
+    </p:spTree>
+    <p:extLst>
+      <p:ext uri="{BB962C8B-B14F-4D97-AF65-F5344CB8AC3E}">
+        <p14:creationId xmlns:p14="http://schemas.microsoft.com/office/powerpoint/2010/main" val="4030712950"/>
+      </p:ext>
+    </p:extLst>
+  </p:cSld>
+  <p:clrMapOvr>
+    <a:masterClrMapping/>
+  </p:clrMapOvr>
+</p:notes>
+</file>
+
+<file path=ppt/notesSlides/notesSlide14.xml><?xml version="1.0" encoding="utf-8"?>
+<p:notes xmlns:a="http://schemas.openxmlformats.org/drawingml/2006/main" xmlns:r="http://schemas.openxmlformats.org/officeDocument/2006/relationships" xmlns:p="http://schemas.openxmlformats.org/presentationml/2006/main">
+  <p:cSld>
+    <p:spTree>
+      <p:nvGrpSpPr>
+        <p:cNvPr id="1" name=""/>
+        <p:cNvGrpSpPr/>
+        <p:nvPr/>
+      </p:nvGrpSpPr>
+      <p:grpSpPr>
+        <a:xfrm>
+          <a:off x="0" y="0"/>
+          <a:ext cx="0" cy="0"/>
+          <a:chOff x="0" y="0"/>
+          <a:chExt cx="0" cy="0"/>
+        </a:xfrm>
+      </p:grpSpPr>
+      <p:sp>
+        <p:nvSpPr>
+          <p:cNvPr id="2" name="Slide Image Placeholder 1"/>
+          <p:cNvSpPr>
+            <a:spLocks noGrp="1" noRot="1" noChangeAspect="1"/>
+          </p:cNvSpPr>
+          <p:nvPr>
+            <p:ph type="sldImg"/>
+          </p:nvPr>
+        </p:nvSpPr>
+        <p:spPr/>
+      </p:sp>
+      <p:sp>
+        <p:nvSpPr>
+          <p:cNvPr id="3" name="Notes Placeholder 2"/>
+          <p:cNvSpPr>
+            <a:spLocks noGrp="1"/>
+          </p:cNvSpPr>
+          <p:nvPr>
+            <p:ph type="body" idx="1"/>
+          </p:nvPr>
+        </p:nvSpPr>
+        <p:spPr/>
+        <p:txBody>
+          <a:bodyPr/>
+          <a:lstStyle/>
+          <a:p>
+            <a:endParaRPr lang="en-US"/>
+          </a:p>
+        </p:txBody>
+      </p:sp>
+      <p:sp>
+        <p:nvSpPr>
+          <p:cNvPr id="4" name="Slide Number Placeholder 3"/>
+          <p:cNvSpPr>
+            <a:spLocks noGrp="1"/>
+          </p:cNvSpPr>
+          <p:nvPr>
+            <p:ph type="sldNum" sz="quarter" idx="10"/>
+          </p:nvPr>
+        </p:nvSpPr>
+        <p:spPr/>
+        <p:txBody>
+          <a:bodyPr/>
+          <a:lstStyle/>
+          <a:p>
+            <a:fld id="{6BC82160-CC89-417A-9A1A-9F1641DC8443}" type="slidenum">
+              <a:rPr lang="en-US"/>
+              <a:t>15</a:t>
+            </a:fld>
+            <a:endParaRPr lang="en-US"/>
+          </a:p>
+        </p:txBody>
+      </p:sp>
+    </p:spTree>
+    <p:extLst>
+      <p:ext uri="{BB962C8B-B14F-4D97-AF65-F5344CB8AC3E}">
+        <p14:creationId xmlns:p14="http://schemas.microsoft.com/office/powerpoint/2010/main" val="524188693"/>
+      </p:ext>
+    </p:extLst>
+  </p:cSld>
+  <p:clrMapOvr>
+    <a:masterClrMapping/>
+  </p:clrMapOvr>
+</p:notes>
+</file>
+
+<file path=ppt/notesSlides/notesSlide15.xml><?xml version="1.0" encoding="utf-8"?>
+<p:notes xmlns:a="http://schemas.openxmlformats.org/drawingml/2006/main" xmlns:r="http://schemas.openxmlformats.org/officeDocument/2006/relationships" xmlns:p="http://schemas.openxmlformats.org/presentationml/2006/main">
+  <p:cSld>
+    <p:spTree>
+      <p:nvGrpSpPr>
+        <p:cNvPr id="1" name=""/>
+        <p:cNvGrpSpPr/>
+        <p:nvPr/>
+      </p:nvGrpSpPr>
+      <p:grpSpPr>
+        <a:xfrm>
+          <a:off x="0" y="0"/>
+          <a:ext cx="0" cy="0"/>
+          <a:chOff x="0" y="0"/>
+          <a:chExt cx="0" cy="0"/>
+        </a:xfrm>
+      </p:grpSpPr>
+      <p:sp>
+        <p:nvSpPr>
+          <p:cNvPr id="2" name="Slide Image Placeholder 1"/>
+          <p:cNvSpPr>
+            <a:spLocks noGrp="1" noRot="1" noChangeAspect="1"/>
+          </p:cNvSpPr>
+          <p:nvPr>
+            <p:ph type="sldImg"/>
+          </p:nvPr>
+        </p:nvSpPr>
+        <p:spPr/>
+      </p:sp>
+      <p:sp>
+        <p:nvSpPr>
+          <p:cNvPr id="3" name="Notes Placeholder 2"/>
+          <p:cNvSpPr>
+            <a:spLocks noGrp="1"/>
+          </p:cNvSpPr>
+          <p:nvPr>
+            <p:ph type="body" idx="1"/>
+          </p:nvPr>
+        </p:nvSpPr>
+        <p:spPr/>
+        <p:txBody>
+          <a:bodyPr/>
+          <a:lstStyle/>
+          <a:p>
+            <a:endParaRPr lang="en-US"/>
+          </a:p>
+        </p:txBody>
+      </p:sp>
+      <p:sp>
+        <p:nvSpPr>
+          <p:cNvPr id="4" name="Slide Number Placeholder 3"/>
+          <p:cNvSpPr>
+            <a:spLocks noGrp="1"/>
+          </p:cNvSpPr>
+          <p:nvPr>
+            <p:ph type="sldNum" sz="quarter" idx="10"/>
+          </p:nvPr>
+        </p:nvSpPr>
+        <p:spPr/>
+        <p:txBody>
+          <a:bodyPr/>
+          <a:lstStyle/>
+          <a:p>
+            <a:fld id="{6BC82160-CC89-417A-9A1A-9F1641DC8443}" type="slidenum">
+              <a:rPr lang="en-US"/>
+              <a:t>16</a:t>
+            </a:fld>
+            <a:endParaRPr lang="en-US"/>
+          </a:p>
+        </p:txBody>
+      </p:sp>
+    </p:spTree>
+    <p:extLst>
+      <p:ext uri="{BB962C8B-B14F-4D97-AF65-F5344CB8AC3E}">
+        <p14:creationId xmlns:p14="http://schemas.microsoft.com/office/powerpoint/2010/main" val="1074260524"/>
+      </p:ext>
+    </p:extLst>
+  </p:cSld>
+  <p:clrMapOvr>
+    <a:masterClrMapping/>
+  </p:clrMapOvr>
+</p:notes>
+</file>
+
+<file path=ppt/notesSlides/notesSlide16.xml><?xml version="1.0" encoding="utf-8"?>
+<p:notes xmlns:a="http://schemas.openxmlformats.org/drawingml/2006/main" xmlns:r="http://schemas.openxmlformats.org/officeDocument/2006/relationships" xmlns:p="http://schemas.openxmlformats.org/presentationml/2006/main">
+  <p:cSld>
+    <p:spTree>
+      <p:nvGrpSpPr>
+        <p:cNvPr id="1" name=""/>
+        <p:cNvGrpSpPr/>
+        <p:nvPr/>
+      </p:nvGrpSpPr>
+      <p:grpSpPr>
+        <a:xfrm>
+          <a:off x="0" y="0"/>
+          <a:ext cx="0" cy="0"/>
+          <a:chOff x="0" y="0"/>
+          <a:chExt cx="0" cy="0"/>
+        </a:xfrm>
+      </p:grpSpPr>
+      <p:sp>
+        <p:nvSpPr>
+          <p:cNvPr id="2" name="Slide Image Placeholder 1"/>
+          <p:cNvSpPr>
+            <a:spLocks noGrp="1" noRot="1" noChangeAspect="1"/>
+          </p:cNvSpPr>
+          <p:nvPr>
+            <p:ph type="sldImg"/>
+          </p:nvPr>
+        </p:nvSpPr>
+        <p:spPr/>
+      </p:sp>
+      <p:sp>
+        <p:nvSpPr>
+          <p:cNvPr id="3" name="Notes Placeholder 2"/>
+          <p:cNvSpPr>
+            <a:spLocks noGrp="1"/>
+          </p:cNvSpPr>
+          <p:nvPr>
+            <p:ph type="body" idx="1"/>
+          </p:nvPr>
+        </p:nvSpPr>
+        <p:spPr/>
+        <p:txBody>
+          <a:bodyPr/>
+          <a:lstStyle/>
+          <a:p>
+            <a:endParaRPr lang="en-US"/>
+          </a:p>
+        </p:txBody>
+      </p:sp>
+      <p:sp>
+        <p:nvSpPr>
+          <p:cNvPr id="4" name="Slide Number Placeholder 3"/>
+          <p:cNvSpPr>
+            <a:spLocks noGrp="1"/>
+          </p:cNvSpPr>
+          <p:nvPr>
+            <p:ph type="sldNum" sz="quarter" idx="10"/>
+          </p:nvPr>
+        </p:nvSpPr>
+        <p:spPr/>
+        <p:txBody>
+          <a:bodyPr/>
+          <a:lstStyle/>
+          <a:p>
+            <a:fld id="{6BC82160-CC89-417A-9A1A-9F1641DC8443}" type="slidenum">
+              <a:rPr lang="en-US"/>
+              <a:t>17</a:t>
             </a:fld>
             <a:endParaRPr lang="en-US"/>
           </a:p>
@@ -884,7 +1310,7 @@
     </p:spTree>
     <p:extLst>
       <p:ext uri="{BB962C8B-B14F-4D97-AF65-F5344CB8AC3E}">
-        <p14:creationId xmlns:p14="http://schemas.microsoft.com/office/powerpoint/2010/main" val="3754191414"/>
+        <p14:creationId xmlns:p14="http://schemas.microsoft.com/office/powerpoint/2010/main" val="3364382663"/>
       </p:ext>
     </p:extLst>
   </p:cSld>
@@ -968,7 +1394,7 @@
     </p:spTree>
     <p:extLst>
       <p:ext uri="{BB962C8B-B14F-4D97-AF65-F5344CB8AC3E}">
-        <p14:creationId xmlns:p14="http://schemas.microsoft.com/office/powerpoint/2010/main" val="3364382663"/>
+        <p14:creationId xmlns:p14="http://schemas.microsoft.com/office/powerpoint/2010/main" val="2342378402"/>
       </p:ext>
     </p:extLst>
   </p:cSld>
@@ -1052,7 +1478,7 @@
     </p:spTree>
     <p:extLst>
       <p:ext uri="{BB962C8B-B14F-4D97-AF65-F5344CB8AC3E}">
-        <p14:creationId xmlns:p14="http://schemas.microsoft.com/office/powerpoint/2010/main" val="3207911986"/>
+        <p14:creationId xmlns:p14="http://schemas.microsoft.com/office/powerpoint/2010/main" val="3754191414"/>
       </p:ext>
     </p:extLst>
   </p:cSld>
@@ -1136,7 +1562,7 @@
     </p:spTree>
     <p:extLst>
       <p:ext uri="{BB962C8B-B14F-4D97-AF65-F5344CB8AC3E}">
-        <p14:creationId xmlns:p14="http://schemas.microsoft.com/office/powerpoint/2010/main" val="3932793786"/>
+        <p14:creationId xmlns:p14="http://schemas.microsoft.com/office/powerpoint/2010/main" val="3207911986"/>
       </p:ext>
     </p:extLst>
   </p:cSld>
@@ -1211,7 +1637,7 @@
           <a:p>
             <a:fld id="{6BC82160-CC89-417A-9A1A-9F1641DC8443}" type="slidenum">
               <a:rPr lang="en-US"/>
-              <a:t>7</a:t>
+              <a:t>8</a:t>
             </a:fld>
             <a:endParaRPr lang="en-US"/>
           </a:p>
@@ -1220,7 +1646,7 @@
     </p:spTree>
     <p:extLst>
       <p:ext uri="{BB962C8B-B14F-4D97-AF65-F5344CB8AC3E}">
-        <p14:creationId xmlns:p14="http://schemas.microsoft.com/office/powerpoint/2010/main" val="4230562327"/>
+        <p14:creationId xmlns:p14="http://schemas.microsoft.com/office/powerpoint/2010/main" val="3932793786"/>
       </p:ext>
     </p:extLst>
   </p:cSld>
@@ -1295,7 +1721,7 @@
           <a:p>
             <a:fld id="{6BC82160-CC89-417A-9A1A-9F1641DC8443}" type="slidenum">
               <a:rPr lang="en-US"/>
-              <a:t>8</a:t>
+              <a:t>9</a:t>
             </a:fld>
             <a:endParaRPr lang="en-US"/>
           </a:p>
@@ -1304,7 +1730,7 @@
     </p:spTree>
     <p:extLst>
       <p:ext uri="{BB962C8B-B14F-4D97-AF65-F5344CB8AC3E}">
-        <p14:creationId xmlns:p14="http://schemas.microsoft.com/office/powerpoint/2010/main" val="3588373374"/>
+        <p14:creationId xmlns:p14="http://schemas.microsoft.com/office/powerpoint/2010/main" val="4230562327"/>
       </p:ext>
     </p:extLst>
   </p:cSld>
@@ -1379,7 +1805,7 @@
           <a:p>
             <a:fld id="{6BC82160-CC89-417A-9A1A-9F1641DC8443}" type="slidenum">
               <a:rPr lang="en-US"/>
-              <a:t>9</a:t>
+              <a:t>10</a:t>
             </a:fld>
             <a:endParaRPr lang="en-US"/>
           </a:p>
@@ -1388,7 +1814,7 @@
     </p:spTree>
     <p:extLst>
       <p:ext uri="{BB962C8B-B14F-4D97-AF65-F5344CB8AC3E}">
-        <p14:creationId xmlns:p14="http://schemas.microsoft.com/office/powerpoint/2010/main" val="524188693"/>
+        <p14:creationId xmlns:p14="http://schemas.microsoft.com/office/powerpoint/2010/main" val="3588373374"/>
       </p:ext>
     </p:extLst>
   </p:cSld>
@@ -1529,7 +1955,7 @@
           <a:p>
             <a:fld id="{846CE7D5-CF57-46EF-B807-FDD0502418D4}" type="datetimeFigureOut">
               <a:rPr lang="en-US" smtClean="0"/>
-              <a:t>4/27/2014</a:t>
+              <a:t>5/6/2014</a:t>
             </a:fld>
             <a:endParaRPr lang="en-US"/>
           </a:p>
@@ -1699,7 +2125,7 @@
           <a:p>
             <a:fld id="{846CE7D5-CF57-46EF-B807-FDD0502418D4}" type="datetimeFigureOut">
               <a:rPr lang="en-US" smtClean="0"/>
-              <a:t>4/27/2014</a:t>
+              <a:t>5/6/2014</a:t>
             </a:fld>
             <a:endParaRPr lang="en-US"/>
           </a:p>
@@ -1879,7 +2305,7 @@
           <a:p>
             <a:fld id="{846CE7D5-CF57-46EF-B807-FDD0502418D4}" type="datetimeFigureOut">
               <a:rPr lang="en-US" smtClean="0"/>
-              <a:t>4/27/2014</a:t>
+              <a:t>5/6/2014</a:t>
             </a:fld>
             <a:endParaRPr lang="en-US"/>
           </a:p>
@@ -2049,7 +2475,7 @@
           <a:p>
             <a:fld id="{846CE7D5-CF57-46EF-B807-FDD0502418D4}" type="datetimeFigureOut">
               <a:rPr lang="en-US" smtClean="0"/>
-              <a:t>4/27/2014</a:t>
+              <a:t>5/6/2014</a:t>
             </a:fld>
             <a:endParaRPr lang="en-US"/>
           </a:p>
@@ -2295,7 +2721,7 @@
           <a:p>
             <a:fld id="{846CE7D5-CF57-46EF-B807-FDD0502418D4}" type="datetimeFigureOut">
               <a:rPr lang="en-US" smtClean="0"/>
-              <a:t>4/27/2014</a:t>
+              <a:t>5/6/2014</a:t>
             </a:fld>
             <a:endParaRPr lang="en-US"/>
           </a:p>
@@ -2527,7 +2953,7 @@
           <a:p>
             <a:fld id="{846CE7D5-CF57-46EF-B807-FDD0502418D4}" type="datetimeFigureOut">
               <a:rPr lang="en-US" smtClean="0"/>
-              <a:t>4/27/2014</a:t>
+              <a:t>5/6/2014</a:t>
             </a:fld>
             <a:endParaRPr lang="en-US"/>
           </a:p>
@@ -2894,7 +3320,7 @@
           <a:p>
             <a:fld id="{846CE7D5-CF57-46EF-B807-FDD0502418D4}" type="datetimeFigureOut">
               <a:rPr lang="en-US" smtClean="0"/>
-              <a:t>4/27/2014</a:t>
+              <a:t>5/6/2014</a:t>
             </a:fld>
             <a:endParaRPr lang="en-US"/>
           </a:p>
@@ -3012,7 +3438,7 @@
           <a:p>
             <a:fld id="{846CE7D5-CF57-46EF-B807-FDD0502418D4}" type="datetimeFigureOut">
               <a:rPr lang="en-US" smtClean="0"/>
-              <a:t>4/27/2014</a:t>
+              <a:t>5/6/2014</a:t>
             </a:fld>
             <a:endParaRPr lang="en-US"/>
           </a:p>
@@ -3107,7 +3533,7 @@
           <a:p>
             <a:fld id="{846CE7D5-CF57-46EF-B807-FDD0502418D4}" type="datetimeFigureOut">
               <a:rPr lang="en-US" smtClean="0"/>
-              <a:t>4/27/2014</a:t>
+              <a:t>5/6/2014</a:t>
             </a:fld>
             <a:endParaRPr lang="en-US"/>
           </a:p>
@@ -3384,7 +3810,7 @@
           <a:p>
             <a:fld id="{846CE7D5-CF57-46EF-B807-FDD0502418D4}" type="datetimeFigureOut">
               <a:rPr lang="en-US" smtClean="0"/>
-              <a:t>4/27/2014</a:t>
+              <a:t>5/6/2014</a:t>
             </a:fld>
             <a:endParaRPr lang="en-US"/>
           </a:p>
@@ -3641,7 +4067,7 @@
           <a:p>
             <a:fld id="{846CE7D5-CF57-46EF-B807-FDD0502418D4}" type="datetimeFigureOut">
               <a:rPr lang="en-US" smtClean="0"/>
-              <a:t>4/27/2014</a:t>
+              <a:t>5/6/2014</a:t>
             </a:fld>
             <a:endParaRPr lang="en-US"/>
           </a:p>
@@ -3854,7 +4280,7 @@
           <a:p>
             <a:fld id="{846CE7D5-CF57-46EF-B807-FDD0502418D4}" type="datetimeFigureOut">
               <a:rPr lang="en-US" smtClean="0"/>
-              <a:t>4/27/2014</a:t>
+              <a:t>5/6/2014</a:t>
             </a:fld>
             <a:endParaRPr lang="en-US"/>
           </a:p>
@@ -4390,6 +4816,740 @@
       </p:grpSpPr>
       <p:sp>
         <p:nvSpPr>
+          <p:cNvPr id="4" name="Title 3"/>
+          <p:cNvSpPr>
+            <a:spLocks noGrp="1"/>
+          </p:cNvSpPr>
+          <p:nvPr>
+            <p:ph type="title"/>
+          </p:nvPr>
+        </p:nvSpPr>
+        <p:spPr/>
+        <p:txBody>
+          <a:bodyPr/>
+          <a:lstStyle/>
+          <a:p>
+            <a:r>
+              <a:rPr lang="en-US" dirty="0" smtClean="0"/>
+              <a:t>Processor Utilization</a:t>
+            </a:r>
+            <a:endParaRPr lang="en-US" dirty="0"/>
+          </a:p>
+        </p:txBody>
+      </p:sp>
+      <p:pic>
+        <p:nvPicPr>
+          <p:cNvPr id="3" name="Picture 2"/>
+          <p:cNvPicPr>
+            <a:picLocks noChangeAspect="1"/>
+          </p:cNvPicPr>
+          <p:nvPr/>
+        </p:nvPicPr>
+        <p:blipFill>
+          <a:blip r:embed="rId3"/>
+          <a:stretch>
+            <a:fillRect/>
+          </a:stretch>
+        </p:blipFill>
+        <p:spPr>
+          <a:xfrm>
+            <a:off x="254828" y="1477818"/>
+            <a:ext cx="11682344" cy="3935846"/>
+          </a:xfrm>
+          <a:prstGeom prst="rect">
+            <a:avLst/>
+          </a:prstGeom>
+        </p:spPr>
+      </p:pic>
+      <p:sp>
+        <p:nvSpPr>
+          <p:cNvPr id="6" name="TextBox 5"/>
+          <p:cNvSpPr txBox="1"/>
+          <p:nvPr/>
+        </p:nvSpPr>
+        <p:spPr>
+          <a:xfrm>
+            <a:off x="254828" y="5402744"/>
+            <a:ext cx="5883918" cy="646331"/>
+          </a:xfrm>
+          <a:prstGeom prst="rect">
+            <a:avLst/>
+          </a:prstGeom>
+          <a:noFill/>
+        </p:spPr>
+        <p:txBody>
+          <a:bodyPr wrap="none" rtlCol="0">
+            <a:spAutoFit/>
+          </a:bodyPr>
+          <a:lstStyle/>
+          <a:p>
+            <a:r>
+              <a:rPr lang="en-US" sz="3600" dirty="0" smtClean="0"/>
+              <a:t>SGEMM Utilization on Nexus 5</a:t>
+            </a:r>
+            <a:endParaRPr lang="en-US" sz="3600" dirty="0"/>
+          </a:p>
+        </p:txBody>
+      </p:sp>
+      <p:pic>
+        <p:nvPicPr>
+          <p:cNvPr id="7" name="Picture 6"/>
+          <p:cNvPicPr>
+            <a:picLocks noChangeAspect="1"/>
+          </p:cNvPicPr>
+          <p:nvPr/>
+        </p:nvPicPr>
+        <p:blipFill>
+          <a:blip r:embed="rId4"/>
+          <a:stretch>
+            <a:fillRect/>
+          </a:stretch>
+        </p:blipFill>
+        <p:spPr>
+          <a:xfrm>
+            <a:off x="7486902" y="5413664"/>
+            <a:ext cx="4450270" cy="312246"/>
+          </a:xfrm>
+          <a:prstGeom prst="rect">
+            <a:avLst/>
+          </a:prstGeom>
+        </p:spPr>
+      </p:pic>
+    </p:spTree>
+    <p:extLst>
+      <p:ext uri="{BB962C8B-B14F-4D97-AF65-F5344CB8AC3E}">
+        <p14:creationId xmlns:p14="http://schemas.microsoft.com/office/powerpoint/2010/main" val="2842585721"/>
+      </p:ext>
+    </p:extLst>
+  </p:cSld>
+  <p:clrMapOvr>
+    <a:masterClrMapping/>
+  </p:clrMapOvr>
+</p:sld>
+</file>
+
+<file path=ppt/slides/slide11.xml><?xml version="1.0" encoding="utf-8"?>
+<p:sld xmlns:a="http://schemas.openxmlformats.org/drawingml/2006/main" xmlns:r="http://schemas.openxmlformats.org/officeDocument/2006/relationships" xmlns:p="http://schemas.openxmlformats.org/presentationml/2006/main">
+  <p:cSld>
+    <p:spTree>
+      <p:nvGrpSpPr>
+        <p:cNvPr id="1" name=""/>
+        <p:cNvGrpSpPr/>
+        <p:nvPr/>
+      </p:nvGrpSpPr>
+      <p:grpSpPr>
+        <a:xfrm>
+          <a:off x="0" y="0"/>
+          <a:ext cx="0" cy="0"/>
+          <a:chOff x="0" y="0"/>
+          <a:chExt cx="0" cy="0"/>
+        </a:xfrm>
+      </p:grpSpPr>
+      <p:sp>
+        <p:nvSpPr>
+          <p:cNvPr id="4" name="Title 3"/>
+          <p:cNvSpPr>
+            <a:spLocks noGrp="1"/>
+          </p:cNvSpPr>
+          <p:nvPr>
+            <p:ph type="title"/>
+          </p:nvPr>
+        </p:nvSpPr>
+        <p:spPr/>
+        <p:txBody>
+          <a:bodyPr/>
+          <a:lstStyle/>
+          <a:p>
+            <a:r>
+              <a:rPr lang="en-US" dirty="0" smtClean="0"/>
+              <a:t>Processor Utilization</a:t>
+            </a:r>
+            <a:endParaRPr lang="en-US" dirty="0"/>
+          </a:p>
+        </p:txBody>
+      </p:sp>
+      <p:sp>
+        <p:nvSpPr>
+          <p:cNvPr id="6" name="TextBox 5"/>
+          <p:cNvSpPr txBox="1"/>
+          <p:nvPr/>
+        </p:nvSpPr>
+        <p:spPr>
+          <a:xfrm>
+            <a:off x="254828" y="5402744"/>
+            <a:ext cx="5883918" cy="646331"/>
+          </a:xfrm>
+          <a:prstGeom prst="rect">
+            <a:avLst/>
+          </a:prstGeom>
+          <a:noFill/>
+        </p:spPr>
+        <p:txBody>
+          <a:bodyPr wrap="none" rtlCol="0">
+            <a:spAutoFit/>
+          </a:bodyPr>
+          <a:lstStyle/>
+          <a:p>
+            <a:r>
+              <a:rPr lang="en-US" sz="3600" dirty="0" smtClean="0"/>
+              <a:t>SGEMM Utilization on Nexus 7</a:t>
+            </a:r>
+            <a:endParaRPr lang="en-US" sz="3600" dirty="0"/>
+          </a:p>
+        </p:txBody>
+      </p:sp>
+      <p:pic>
+        <p:nvPicPr>
+          <p:cNvPr id="7" name="Picture 6"/>
+          <p:cNvPicPr>
+            <a:picLocks noChangeAspect="1"/>
+          </p:cNvPicPr>
+          <p:nvPr/>
+        </p:nvPicPr>
+        <p:blipFill>
+          <a:blip r:embed="rId3"/>
+          <a:stretch>
+            <a:fillRect/>
+          </a:stretch>
+        </p:blipFill>
+        <p:spPr>
+          <a:xfrm>
+            <a:off x="7486902" y="5413664"/>
+            <a:ext cx="4450270" cy="312246"/>
+          </a:xfrm>
+          <a:prstGeom prst="rect">
+            <a:avLst/>
+          </a:prstGeom>
+        </p:spPr>
+      </p:pic>
+      <p:pic>
+        <p:nvPicPr>
+          <p:cNvPr id="2" name="Picture 1"/>
+          <p:cNvPicPr>
+            <a:picLocks noChangeAspect="1"/>
+          </p:cNvPicPr>
+          <p:nvPr/>
+        </p:nvPicPr>
+        <p:blipFill>
+          <a:blip r:embed="rId4"/>
+          <a:stretch>
+            <a:fillRect/>
+          </a:stretch>
+        </p:blipFill>
+        <p:spPr>
+          <a:xfrm>
+            <a:off x="0" y="1340428"/>
+            <a:ext cx="12041792" cy="4046564"/>
+          </a:xfrm>
+          <a:prstGeom prst="rect">
+            <a:avLst/>
+          </a:prstGeom>
+        </p:spPr>
+      </p:pic>
+    </p:spTree>
+    <p:extLst>
+      <p:ext uri="{BB962C8B-B14F-4D97-AF65-F5344CB8AC3E}">
+        <p14:creationId xmlns:p14="http://schemas.microsoft.com/office/powerpoint/2010/main" val="1972116271"/>
+      </p:ext>
+    </p:extLst>
+  </p:cSld>
+  <p:clrMapOvr>
+    <a:masterClrMapping/>
+  </p:clrMapOvr>
+</p:sld>
+</file>
+
+<file path=ppt/slides/slide12.xml><?xml version="1.0" encoding="utf-8"?>
+<p:sld xmlns:a="http://schemas.openxmlformats.org/drawingml/2006/main" xmlns:r="http://schemas.openxmlformats.org/officeDocument/2006/relationships" xmlns:p="http://schemas.openxmlformats.org/presentationml/2006/main">
+  <p:cSld>
+    <p:spTree>
+      <p:nvGrpSpPr>
+        <p:cNvPr id="1" name=""/>
+        <p:cNvGrpSpPr/>
+        <p:nvPr/>
+      </p:nvGrpSpPr>
+      <p:grpSpPr>
+        <a:xfrm>
+          <a:off x="0" y="0"/>
+          <a:ext cx="0" cy="0"/>
+          <a:chOff x="0" y="0"/>
+          <a:chExt cx="0" cy="0"/>
+        </a:xfrm>
+      </p:grpSpPr>
+      <p:sp>
+        <p:nvSpPr>
+          <p:cNvPr id="6" name="TextBox 5"/>
+          <p:cNvSpPr txBox="1"/>
+          <p:nvPr/>
+        </p:nvSpPr>
+        <p:spPr>
+          <a:xfrm>
+            <a:off x="254828" y="5402744"/>
+            <a:ext cx="6456511" cy="1200329"/>
+          </a:xfrm>
+          <a:prstGeom prst="rect">
+            <a:avLst/>
+          </a:prstGeom>
+          <a:noFill/>
+        </p:spPr>
+        <p:txBody>
+          <a:bodyPr wrap="none" rtlCol="0">
+            <a:spAutoFit/>
+          </a:bodyPr>
+          <a:lstStyle/>
+          <a:p>
+            <a:r>
+              <a:rPr lang="en-US" sz="3600" dirty="0" smtClean="0"/>
+              <a:t>MRIQ Utilization on Nexus 5 (top)</a:t>
+            </a:r>
+          </a:p>
+          <a:p>
+            <a:r>
+              <a:rPr lang="en-US" sz="3600" dirty="0" smtClean="0"/>
+              <a:t>And Nexus 7 (bottom)</a:t>
+            </a:r>
+          </a:p>
+        </p:txBody>
+      </p:sp>
+      <p:pic>
+        <p:nvPicPr>
+          <p:cNvPr id="5" name="Picture 4"/>
+          <p:cNvPicPr>
+            <a:picLocks noChangeAspect="1"/>
+          </p:cNvPicPr>
+          <p:nvPr/>
+        </p:nvPicPr>
+        <p:blipFill>
+          <a:blip r:embed="rId3"/>
+          <a:stretch>
+            <a:fillRect/>
+          </a:stretch>
+        </p:blipFill>
+        <p:spPr>
+          <a:xfrm>
+            <a:off x="267688" y="2851812"/>
+            <a:ext cx="11803124" cy="2644980"/>
+          </a:xfrm>
+          <a:prstGeom prst="rect">
+            <a:avLst/>
+          </a:prstGeom>
+        </p:spPr>
+      </p:pic>
+      <p:pic>
+        <p:nvPicPr>
+          <p:cNvPr id="3" name="Picture 2"/>
+          <p:cNvPicPr>
+            <a:picLocks noChangeAspect="1"/>
+          </p:cNvPicPr>
+          <p:nvPr/>
+        </p:nvPicPr>
+        <p:blipFill>
+          <a:blip r:embed="rId4"/>
+          <a:stretch>
+            <a:fillRect/>
+          </a:stretch>
+        </p:blipFill>
+        <p:spPr>
+          <a:xfrm>
+            <a:off x="267688" y="210124"/>
+            <a:ext cx="11669484" cy="2660072"/>
+          </a:xfrm>
+          <a:prstGeom prst="rect">
+            <a:avLst/>
+          </a:prstGeom>
+        </p:spPr>
+      </p:pic>
+      <p:pic>
+        <p:nvPicPr>
+          <p:cNvPr id="7" name="Picture 6"/>
+          <p:cNvPicPr>
+            <a:picLocks noChangeAspect="1"/>
+          </p:cNvPicPr>
+          <p:nvPr/>
+        </p:nvPicPr>
+        <p:blipFill>
+          <a:blip r:embed="rId5"/>
+          <a:stretch>
+            <a:fillRect/>
+          </a:stretch>
+        </p:blipFill>
+        <p:spPr>
+          <a:xfrm>
+            <a:off x="7486902" y="5413664"/>
+            <a:ext cx="4450270" cy="312246"/>
+          </a:xfrm>
+          <a:prstGeom prst="rect">
+            <a:avLst/>
+          </a:prstGeom>
+        </p:spPr>
+      </p:pic>
+    </p:spTree>
+    <p:extLst>
+      <p:ext uri="{BB962C8B-B14F-4D97-AF65-F5344CB8AC3E}">
+        <p14:creationId xmlns:p14="http://schemas.microsoft.com/office/powerpoint/2010/main" val="661817986"/>
+      </p:ext>
+    </p:extLst>
+  </p:cSld>
+  <p:clrMapOvr>
+    <a:masterClrMapping/>
+  </p:clrMapOvr>
+</p:sld>
+</file>
+
+<file path=ppt/slides/slide13.xml><?xml version="1.0" encoding="utf-8"?>
+<p:sld xmlns:a="http://schemas.openxmlformats.org/drawingml/2006/main" xmlns:r="http://schemas.openxmlformats.org/officeDocument/2006/relationships" xmlns:p="http://schemas.openxmlformats.org/presentationml/2006/main">
+  <p:cSld>
+    <p:spTree>
+      <p:nvGrpSpPr>
+        <p:cNvPr id="1" name=""/>
+        <p:cNvGrpSpPr/>
+        <p:nvPr/>
+      </p:nvGrpSpPr>
+      <p:grpSpPr>
+        <a:xfrm>
+          <a:off x="0" y="0"/>
+          <a:ext cx="0" cy="0"/>
+          <a:chOff x="0" y="0"/>
+          <a:chExt cx="0" cy="0"/>
+        </a:xfrm>
+      </p:grpSpPr>
+      <p:pic>
+        <p:nvPicPr>
+          <p:cNvPr id="8" name="Picture 7"/>
+          <p:cNvPicPr>
+            <a:picLocks noChangeAspect="1"/>
+          </p:cNvPicPr>
+          <p:nvPr/>
+        </p:nvPicPr>
+        <p:blipFill>
+          <a:blip r:embed="rId3"/>
+          <a:stretch>
+            <a:fillRect/>
+          </a:stretch>
+        </p:blipFill>
+        <p:spPr>
+          <a:xfrm>
+            <a:off x="5247411" y="5600700"/>
+            <a:ext cx="6934198" cy="586848"/>
+          </a:xfrm>
+          <a:prstGeom prst="rect">
+            <a:avLst/>
+          </a:prstGeom>
+        </p:spPr>
+      </p:pic>
+      <p:pic>
+        <p:nvPicPr>
+          <p:cNvPr id="10" name="Picture 9"/>
+          <p:cNvPicPr>
+            <a:picLocks noChangeAspect="1"/>
+          </p:cNvPicPr>
+          <p:nvPr/>
+        </p:nvPicPr>
+        <p:blipFill>
+          <a:blip r:embed="rId4"/>
+          <a:stretch>
+            <a:fillRect/>
+          </a:stretch>
+        </p:blipFill>
+        <p:spPr>
+          <a:xfrm>
+            <a:off x="19165" y="1298864"/>
+            <a:ext cx="5943038" cy="4177148"/>
+          </a:xfrm>
+          <a:prstGeom prst="rect">
+            <a:avLst/>
+          </a:prstGeom>
+        </p:spPr>
+      </p:pic>
+      <p:sp>
+        <p:nvSpPr>
+          <p:cNvPr id="9" name="Title 3"/>
+          <p:cNvSpPr>
+            <a:spLocks noGrp="1"/>
+          </p:cNvSpPr>
+          <p:nvPr>
+            <p:ph type="title"/>
+          </p:nvPr>
+        </p:nvSpPr>
+        <p:spPr>
+          <a:xfrm>
+            <a:off x="838200" y="365125"/>
+            <a:ext cx="10515600" cy="1325563"/>
+          </a:xfrm>
+        </p:spPr>
+        <p:txBody>
+          <a:bodyPr/>
+          <a:lstStyle/>
+          <a:p>
+            <a:r>
+              <a:rPr lang="en-US" dirty="0" smtClean="0"/>
+              <a:t>SGEMM Performance</a:t>
+            </a:r>
+            <a:endParaRPr lang="en-US" dirty="0"/>
+          </a:p>
+        </p:txBody>
+      </p:sp>
+      <p:pic>
+        <p:nvPicPr>
+          <p:cNvPr id="11" name="Picture 10"/>
+          <p:cNvPicPr>
+            <a:picLocks noChangeAspect="1"/>
+          </p:cNvPicPr>
+          <p:nvPr/>
+        </p:nvPicPr>
+        <p:blipFill>
+          <a:blip r:embed="rId5"/>
+          <a:stretch>
+            <a:fillRect/>
+          </a:stretch>
+        </p:blipFill>
+        <p:spPr>
+          <a:xfrm>
+            <a:off x="5962203" y="1285978"/>
+            <a:ext cx="6040582" cy="4190034"/>
+          </a:xfrm>
+          <a:prstGeom prst="rect">
+            <a:avLst/>
+          </a:prstGeom>
+        </p:spPr>
+      </p:pic>
+    </p:spTree>
+    <p:extLst>
+      <p:ext uri="{BB962C8B-B14F-4D97-AF65-F5344CB8AC3E}">
+        <p14:creationId xmlns:p14="http://schemas.microsoft.com/office/powerpoint/2010/main" val="3494848955"/>
+      </p:ext>
+    </p:extLst>
+  </p:cSld>
+  <p:clrMapOvr>
+    <a:masterClrMapping/>
+  </p:clrMapOvr>
+</p:sld>
+</file>
+
+<file path=ppt/slides/slide14.xml><?xml version="1.0" encoding="utf-8"?>
+<p:sld xmlns:a="http://schemas.openxmlformats.org/drawingml/2006/main" xmlns:r="http://schemas.openxmlformats.org/officeDocument/2006/relationships" xmlns:p="http://schemas.openxmlformats.org/presentationml/2006/main">
+  <p:cSld>
+    <p:spTree>
+      <p:nvGrpSpPr>
+        <p:cNvPr id="1" name=""/>
+        <p:cNvGrpSpPr/>
+        <p:nvPr/>
+      </p:nvGrpSpPr>
+      <p:grpSpPr>
+        <a:xfrm>
+          <a:off x="0" y="0"/>
+          <a:ext cx="0" cy="0"/>
+          <a:chOff x="0" y="0"/>
+          <a:chExt cx="0" cy="0"/>
+        </a:xfrm>
+      </p:grpSpPr>
+      <p:pic>
+        <p:nvPicPr>
+          <p:cNvPr id="2" name="Picture 1"/>
+          <p:cNvPicPr>
+            <a:picLocks noChangeAspect="1"/>
+          </p:cNvPicPr>
+          <p:nvPr/>
+        </p:nvPicPr>
+        <p:blipFill>
+          <a:blip r:embed="rId3"/>
+          <a:stretch>
+            <a:fillRect/>
+          </a:stretch>
+        </p:blipFill>
+        <p:spPr>
+          <a:xfrm>
+            <a:off x="91610" y="1413167"/>
+            <a:ext cx="6006680" cy="3969326"/>
+          </a:xfrm>
+          <a:prstGeom prst="rect">
+            <a:avLst/>
+          </a:prstGeom>
+        </p:spPr>
+      </p:pic>
+      <p:pic>
+        <p:nvPicPr>
+          <p:cNvPr id="4" name="Picture 3"/>
+          <p:cNvPicPr>
+            <a:picLocks noChangeAspect="1"/>
+          </p:cNvPicPr>
+          <p:nvPr/>
+        </p:nvPicPr>
+        <p:blipFill>
+          <a:blip r:embed="rId4"/>
+          <a:stretch>
+            <a:fillRect/>
+          </a:stretch>
+        </p:blipFill>
+        <p:spPr>
+          <a:xfrm>
+            <a:off x="6004856" y="1288479"/>
+            <a:ext cx="6187144" cy="4094014"/>
+          </a:xfrm>
+          <a:prstGeom prst="rect">
+            <a:avLst/>
+          </a:prstGeom>
+        </p:spPr>
+      </p:pic>
+      <p:pic>
+        <p:nvPicPr>
+          <p:cNvPr id="8" name="Picture 7"/>
+          <p:cNvPicPr>
+            <a:picLocks noChangeAspect="1"/>
+          </p:cNvPicPr>
+          <p:nvPr/>
+        </p:nvPicPr>
+        <p:blipFill>
+          <a:blip r:embed="rId5"/>
+          <a:stretch>
+            <a:fillRect/>
+          </a:stretch>
+        </p:blipFill>
+        <p:spPr>
+          <a:xfrm>
+            <a:off x="5257802" y="5507181"/>
+            <a:ext cx="6934198" cy="586848"/>
+          </a:xfrm>
+          <a:prstGeom prst="rect">
+            <a:avLst/>
+          </a:prstGeom>
+        </p:spPr>
+      </p:pic>
+      <p:sp>
+        <p:nvSpPr>
+          <p:cNvPr id="9" name="Title 3"/>
+          <p:cNvSpPr>
+            <a:spLocks noGrp="1"/>
+          </p:cNvSpPr>
+          <p:nvPr>
+            <p:ph type="title"/>
+          </p:nvPr>
+        </p:nvSpPr>
+        <p:spPr>
+          <a:xfrm>
+            <a:off x="838200" y="365125"/>
+            <a:ext cx="10515600" cy="1325563"/>
+          </a:xfrm>
+        </p:spPr>
+        <p:txBody>
+          <a:bodyPr/>
+          <a:lstStyle/>
+          <a:p>
+            <a:r>
+              <a:rPr lang="en-US" dirty="0" smtClean="0"/>
+              <a:t>MRIQ Performance</a:t>
+            </a:r>
+            <a:endParaRPr lang="en-US" dirty="0"/>
+          </a:p>
+        </p:txBody>
+      </p:sp>
+    </p:spTree>
+    <p:extLst>
+      <p:ext uri="{BB962C8B-B14F-4D97-AF65-F5344CB8AC3E}">
+        <p14:creationId xmlns:p14="http://schemas.microsoft.com/office/powerpoint/2010/main" val="696621997"/>
+      </p:ext>
+    </p:extLst>
+  </p:cSld>
+  <p:clrMapOvr>
+    <a:masterClrMapping/>
+  </p:clrMapOvr>
+</p:sld>
+</file>
+
+<file path=ppt/slides/slide15.xml><?xml version="1.0" encoding="utf-8"?>
+<p:sld xmlns:a="http://schemas.openxmlformats.org/drawingml/2006/main" xmlns:r="http://schemas.openxmlformats.org/officeDocument/2006/relationships" xmlns:p="http://schemas.openxmlformats.org/presentationml/2006/main">
+  <p:cSld>
+    <p:spTree>
+      <p:nvGrpSpPr>
+        <p:cNvPr id="1" name=""/>
+        <p:cNvGrpSpPr/>
+        <p:nvPr/>
+      </p:nvGrpSpPr>
+      <p:grpSpPr>
+        <a:xfrm>
+          <a:off x="0" y="0"/>
+          <a:ext cx="0" cy="0"/>
+          <a:chOff x="0" y="0"/>
+          <a:chExt cx="0" cy="0"/>
+        </a:xfrm>
+      </p:grpSpPr>
+      <p:sp>
+        <p:nvSpPr>
+          <p:cNvPr id="4" name="Title 3"/>
+          <p:cNvSpPr>
+            <a:spLocks noGrp="1"/>
+          </p:cNvSpPr>
+          <p:nvPr>
+            <p:ph type="title"/>
+          </p:nvPr>
+        </p:nvSpPr>
+        <p:spPr/>
+        <p:txBody>
+          <a:bodyPr/>
+          <a:lstStyle/>
+          <a:p>
+            <a:r>
+              <a:rPr lang="en-US"/>
+              <a:t>Power Usage</a:t>
+            </a:r>
+          </a:p>
+        </p:txBody>
+      </p:sp>
+      <p:pic>
+        <p:nvPicPr>
+          <p:cNvPr id="2" name="Content Placeholder 1" descr="power_icon.png"/>
+          <p:cNvPicPr>
+            <a:picLocks noGrp="1" noChangeAspect="1"/>
+          </p:cNvPicPr>
+          <p:nvPr>
+            <p:ph idx="1"/>
+          </p:nvPr>
+        </p:nvPicPr>
+        <p:blipFill>
+          <a:blip r:embed="rId3"/>
+          <a:stretch>
+            <a:fillRect/>
+          </a:stretch>
+        </p:blipFill>
+        <p:spPr>
+          <a:xfrm>
+            <a:off x="7864241" y="222484"/>
+            <a:ext cx="4380738" cy="4351338"/>
+          </a:xfrm>
+        </p:spPr>
+      </p:pic>
+    </p:spTree>
+    <p:extLst>
+      <p:ext uri="{BB962C8B-B14F-4D97-AF65-F5344CB8AC3E}">
+        <p14:creationId xmlns:p14="http://schemas.microsoft.com/office/powerpoint/2010/main" val="654710854"/>
+      </p:ext>
+    </p:extLst>
+  </p:cSld>
+  <p:clrMapOvr>
+    <a:masterClrMapping/>
+  </p:clrMapOvr>
+</p:sld>
+</file>
+
+<file path=ppt/slides/slide16.xml><?xml version="1.0" encoding="utf-8"?>
+<p:sld xmlns:a="http://schemas.openxmlformats.org/drawingml/2006/main" xmlns:r="http://schemas.openxmlformats.org/officeDocument/2006/relationships" xmlns:p="http://schemas.openxmlformats.org/presentationml/2006/main">
+  <p:cSld>
+    <p:spTree>
+      <p:nvGrpSpPr>
+        <p:cNvPr id="1" name=""/>
+        <p:cNvGrpSpPr/>
+        <p:nvPr/>
+      </p:nvGrpSpPr>
+      <p:grpSpPr>
+        <a:xfrm>
+          <a:off x="0" y="0"/>
+          <a:ext cx="0" cy="0"/>
+          <a:chOff x="0" y="0"/>
+          <a:chExt cx="0" cy="0"/>
+        </a:xfrm>
+      </p:grpSpPr>
+      <p:sp>
+        <p:nvSpPr>
           <p:cNvPr id="2" name="Title 1"/>
           <p:cNvSpPr>
             <a:spLocks noGrp="1"/>
@@ -4442,7 +5602,7 @@
 </p:sld>
 </file>
 
-<file path=ppt/slides/slide11.xml><?xml version="1.0" encoding="utf-8"?>
+<file path=ppt/slides/slide17.xml><?xml version="1.0" encoding="utf-8"?>
 <p:sld xmlns:a="http://schemas.openxmlformats.org/drawingml/2006/main" xmlns:r="http://schemas.openxmlformats.org/officeDocument/2006/relationships" xmlns:p="http://schemas.openxmlformats.org/presentationml/2006/main">
   <p:cSld>
     <p:spTree>
@@ -4666,14 +5826,14 @@
           <a:p>
             <a:r>
               <a:rPr lang="en-US"/>
-              <a:t>Benchmarks</a:t>
-            </a:r>
-          </a:p>
-        </p:txBody>
-      </p:sp>
-      <p:sp>
-        <p:nvSpPr>
-          <p:cNvPr id="3" name="Content Placeholder 2"/>
+              <a:t>RenderScript</a:t>
+            </a:r>
+          </a:p>
+        </p:txBody>
+      </p:sp>
+      <p:sp>
+        <p:nvSpPr>
+          <p:cNvPr id="5" name="Content Placeholder 4"/>
           <p:cNvSpPr>
             <a:spLocks noGrp="1"/>
           </p:cNvSpPr>
@@ -4686,14 +5846,44 @@
           <a:bodyPr/>
           <a:lstStyle/>
           <a:p>
-            <a:endParaRPr lang="en-US"/>
+            <a:r>
+              <a:rPr lang="en-US" dirty="0" smtClean="0"/>
+              <a:t>Alternative of CUDA and </a:t>
+            </a:r>
+            <a:r>
+              <a:rPr lang="en-US" dirty="0" err="1" smtClean="0"/>
+              <a:t>OpenCL</a:t>
+            </a:r>
+            <a:r>
+              <a:rPr lang="en-US" dirty="0" smtClean="0"/>
+              <a:t> on Android</a:t>
+            </a:r>
+          </a:p>
+          <a:p>
+            <a:r>
+              <a:rPr lang="en-US" dirty="0" smtClean="0"/>
+              <a:t>Hide architectural details</a:t>
+            </a:r>
+          </a:p>
+          <a:p>
+            <a:r>
+              <a:rPr lang="en-US" dirty="0" smtClean="0"/>
+              <a:t>Does not unify memory</a:t>
+            </a:r>
+          </a:p>
+          <a:p>
+            <a:r>
+              <a:rPr lang="en-US" dirty="0" smtClean="0"/>
+              <a:t>Automatically selects best device to run on to maximize performance while minimizing energy usage</a:t>
+            </a:r>
+            <a:endParaRPr lang="en-US" dirty="0"/>
           </a:p>
         </p:txBody>
       </p:sp>
     </p:spTree>
     <p:extLst>
       <p:ext uri="{BB962C8B-B14F-4D97-AF65-F5344CB8AC3E}">
-        <p14:creationId xmlns:p14="http://schemas.microsoft.com/office/powerpoint/2010/main" val="2442580633"/>
+        <p14:creationId xmlns:p14="http://schemas.microsoft.com/office/powerpoint/2010/main" val="2938692116"/>
       </p:ext>
     </p:extLst>
   </p:cSld>
@@ -4720,6 +5910,35 @@
           <a:chExt cx="0" cy="0"/>
         </a:xfrm>
       </p:grpSpPr>
+      <p:pic>
+        <p:nvPicPr>
+          <p:cNvPr id="4" name="Content Placeholder 3"/>
+          <p:cNvPicPr>
+            <a:picLocks noGrp="1" noChangeAspect="1"/>
+          </p:cNvPicPr>
+          <p:nvPr>
+            <p:ph idx="1"/>
+          </p:nvPr>
+        </p:nvPicPr>
+        <p:blipFill>
+          <a:blip r:embed="rId3">
+            <a:extLst>
+              <a:ext uri="{28A0092B-C50C-407E-A947-70E740481C1C}">
+                <a14:useLocalDpi xmlns:a14="http://schemas.microsoft.com/office/drawing/2010/main" val="0"/>
+              </a:ext>
+            </a:extLst>
+          </a:blip>
+          <a:stretch>
+            <a:fillRect/>
+          </a:stretch>
+        </p:blipFill>
+        <p:spPr>
+          <a:xfrm>
+            <a:off x="1923305" y="1027906"/>
+            <a:ext cx="8345389" cy="5515527"/>
+          </a:xfrm>
+        </p:spPr>
+      </p:pic>
       <p:sp>
         <p:nvSpPr>
           <p:cNvPr id="2" name="Title 1"/>
@@ -4739,32 +5958,13 @@
               <a:rPr lang="en-US"/>
               <a:t>RenderScript</a:t>
             </a:r>
-          </a:p>
-        </p:txBody>
-      </p:sp>
-      <p:sp>
-        <p:nvSpPr>
-          <p:cNvPr id="3" name="Content Placeholder 2"/>
-          <p:cNvSpPr>
-            <a:spLocks noGrp="1"/>
-          </p:cNvSpPr>
-          <p:nvPr>
-            <p:ph idx="1"/>
-          </p:nvPr>
-        </p:nvSpPr>
-        <p:spPr/>
-        <p:txBody>
-          <a:bodyPr/>
-          <a:lstStyle/>
-          <a:p>
-            <a:endParaRPr lang="en-US"/>
           </a:p>
         </p:txBody>
       </p:sp>
     </p:spTree>
     <p:extLst>
       <p:ext uri="{BB962C8B-B14F-4D97-AF65-F5344CB8AC3E}">
-        <p14:creationId xmlns:p14="http://schemas.microsoft.com/office/powerpoint/2010/main" val="2938692116"/>
+        <p14:creationId xmlns:p14="http://schemas.microsoft.com/office/powerpoint/2010/main" val="2334803131"/>
       </p:ext>
     </p:extLst>
   </p:cSld>
@@ -4793,6 +5993,122 @@
       </p:grpSpPr>
       <p:sp>
         <p:nvSpPr>
+          <p:cNvPr id="2" name="Title 1"/>
+          <p:cNvSpPr>
+            <a:spLocks noGrp="1"/>
+          </p:cNvSpPr>
+          <p:nvPr>
+            <p:ph type="title"/>
+          </p:nvPr>
+        </p:nvSpPr>
+        <p:spPr/>
+        <p:txBody>
+          <a:bodyPr/>
+          <a:lstStyle/>
+          <a:p>
+            <a:r>
+              <a:rPr lang="en-US"/>
+              <a:t>Benchmarks</a:t>
+            </a:r>
+          </a:p>
+        </p:txBody>
+      </p:sp>
+      <p:sp>
+        <p:nvSpPr>
+          <p:cNvPr id="3" name="Content Placeholder 2"/>
+          <p:cNvSpPr>
+            <a:spLocks noGrp="1"/>
+          </p:cNvSpPr>
+          <p:nvPr>
+            <p:ph idx="1"/>
+          </p:nvPr>
+        </p:nvSpPr>
+        <p:spPr>
+          <a:xfrm>
+            <a:off x="838200" y="1825625"/>
+            <a:ext cx="5257800" cy="4351338"/>
+          </a:xfrm>
+        </p:spPr>
+        <p:txBody>
+          <a:bodyPr/>
+          <a:lstStyle/>
+          <a:p>
+            <a:r>
+              <a:rPr lang="en-US" dirty="0" smtClean="0"/>
+              <a:t>Rewrote 7 Parboil benchmarks into our benchmark framework</a:t>
+            </a:r>
+          </a:p>
+          <a:p>
+            <a:r>
+              <a:rPr lang="en-US" dirty="0" smtClean="0"/>
+              <a:t>A total of 38 implementations</a:t>
+            </a:r>
+          </a:p>
+          <a:p>
+            <a:r>
+              <a:rPr lang="en-US" dirty="0" smtClean="0"/>
+              <a:t>Copied around 400 lines of code, and the rest required rewrites</a:t>
+            </a:r>
+            <a:endParaRPr lang="en-US" dirty="0"/>
+          </a:p>
+        </p:txBody>
+      </p:sp>
+      <p:pic>
+        <p:nvPicPr>
+          <p:cNvPr id="4" name="Picture 3"/>
+          <p:cNvPicPr>
+            <a:picLocks noChangeAspect="1"/>
+          </p:cNvPicPr>
+          <p:nvPr/>
+        </p:nvPicPr>
+        <p:blipFill>
+          <a:blip r:embed="rId3"/>
+          <a:stretch>
+            <a:fillRect/>
+          </a:stretch>
+        </p:blipFill>
+        <p:spPr>
+          <a:xfrm>
+            <a:off x="6096000" y="604116"/>
+            <a:ext cx="5581650" cy="5372100"/>
+          </a:xfrm>
+          <a:prstGeom prst="rect">
+            <a:avLst/>
+          </a:prstGeom>
+        </p:spPr>
+      </p:pic>
+    </p:spTree>
+    <p:extLst>
+      <p:ext uri="{BB962C8B-B14F-4D97-AF65-F5344CB8AC3E}">
+        <p14:creationId xmlns:p14="http://schemas.microsoft.com/office/powerpoint/2010/main" val="2442580633"/>
+      </p:ext>
+    </p:extLst>
+  </p:cSld>
+  <p:clrMapOvr>
+    <a:masterClrMapping/>
+  </p:clrMapOvr>
+</p:sld>
+</file>
+
+<file path=ppt/slides/slide6.xml><?xml version="1.0" encoding="utf-8"?>
+<p:sld xmlns:a="http://schemas.openxmlformats.org/drawingml/2006/main" xmlns:r="http://schemas.openxmlformats.org/officeDocument/2006/relationships" xmlns:p="http://schemas.openxmlformats.org/presentationml/2006/main">
+  <p:cSld>
+    <p:spTree>
+      <p:nvGrpSpPr>
+        <p:cNvPr id="1" name=""/>
+        <p:cNvGrpSpPr/>
+        <p:nvPr/>
+      </p:nvGrpSpPr>
+      <p:grpSpPr>
+        <a:xfrm>
+          <a:off x="0" y="0"/>
+          <a:ext cx="0" cy="0"/>
+          <a:chOff x="0" y="0"/>
+          <a:chExt cx="0" cy="0"/>
+        </a:xfrm>
+      </p:grpSpPr>
+      <p:sp>
+        <p:nvSpPr>
           <p:cNvPr id="4" name="Title 3"/>
           <p:cNvSpPr>
             <a:spLocks noGrp="1"/>
@@ -4845,7 +6161,75 @@
 </p:sld>
 </file>
 
-<file path=ppt/slides/slide6.xml><?xml version="1.0" encoding="utf-8"?>
+<file path=ppt/slides/slide7.xml><?xml version="1.0" encoding="utf-8"?>
+<p:sld xmlns:a="http://schemas.openxmlformats.org/drawingml/2006/main" xmlns:r="http://schemas.openxmlformats.org/officeDocument/2006/relationships" xmlns:p="http://schemas.openxmlformats.org/presentationml/2006/main">
+  <p:cSld>
+    <p:spTree>
+      <p:nvGrpSpPr>
+        <p:cNvPr id="1" name=""/>
+        <p:cNvGrpSpPr/>
+        <p:nvPr/>
+      </p:nvGrpSpPr>
+      <p:grpSpPr>
+        <a:xfrm>
+          <a:off x="0" y="0"/>
+          <a:ext cx="0" cy="0"/>
+          <a:chOff x="0" y="0"/>
+          <a:chExt cx="0" cy="0"/>
+        </a:xfrm>
+      </p:grpSpPr>
+      <p:sp>
+        <p:nvSpPr>
+          <p:cNvPr id="2" name="Title 1"/>
+          <p:cNvSpPr>
+            <a:spLocks noGrp="1"/>
+          </p:cNvSpPr>
+          <p:nvPr>
+            <p:ph type="title"/>
+          </p:nvPr>
+        </p:nvSpPr>
+        <p:spPr/>
+        <p:txBody>
+          <a:bodyPr/>
+          <a:lstStyle/>
+          <a:p>
+            <a:endParaRPr lang="en-US"/>
+          </a:p>
+        </p:txBody>
+      </p:sp>
+      <p:sp>
+        <p:nvSpPr>
+          <p:cNvPr id="3" name="Text Placeholder 2"/>
+          <p:cNvSpPr>
+            <a:spLocks noGrp="1"/>
+          </p:cNvSpPr>
+          <p:nvPr>
+            <p:ph type="body" idx="1"/>
+          </p:nvPr>
+        </p:nvSpPr>
+        <p:spPr/>
+        <p:txBody>
+          <a:bodyPr/>
+          <a:lstStyle/>
+          <a:p>
+            <a:endParaRPr lang="en-US"/>
+          </a:p>
+        </p:txBody>
+      </p:sp>
+    </p:spTree>
+    <p:extLst>
+      <p:ext uri="{BB962C8B-B14F-4D97-AF65-F5344CB8AC3E}">
+        <p14:creationId xmlns:p14="http://schemas.microsoft.com/office/powerpoint/2010/main" val="2583902157"/>
+      </p:ext>
+    </p:extLst>
+  </p:cSld>
+  <p:clrMapOvr>
+    <a:masterClrMapping/>
+  </p:clrMapOvr>
+</p:sld>
+</file>
+
+<file path=ppt/slides/slide8.xml><?xml version="1.0" encoding="utf-8"?>
 <p:sld xmlns:a="http://schemas.openxmlformats.org/drawingml/2006/main" xmlns:r="http://schemas.openxmlformats.org/officeDocument/2006/relationships" xmlns:p="http://schemas.openxmlformats.org/presentationml/2006/main">
   <p:cSld>
     <p:spTree>
@@ -4921,309 +6305,6 @@
 </p:sld>
 </file>
 
-<file path=ppt/slides/slide7.xml><?xml version="1.0" encoding="utf-8"?>
-<p:sld xmlns:a="http://schemas.openxmlformats.org/drawingml/2006/main" xmlns:r="http://schemas.openxmlformats.org/officeDocument/2006/relationships" xmlns:p="http://schemas.openxmlformats.org/presentationml/2006/main">
-  <p:cSld>
-    <p:spTree>
-      <p:nvGrpSpPr>
-        <p:cNvPr id="1" name=""/>
-        <p:cNvGrpSpPr/>
-        <p:nvPr/>
-      </p:nvGrpSpPr>
-      <p:grpSpPr>
-        <a:xfrm>
-          <a:off x="0" y="0"/>
-          <a:ext cx="0" cy="0"/>
-          <a:chOff x="0" y="0"/>
-          <a:chExt cx="0" cy="0"/>
-        </a:xfrm>
-      </p:grpSpPr>
-      <p:sp>
-        <p:nvSpPr>
-          <p:cNvPr id="4" name="Title 3"/>
-          <p:cNvSpPr>
-            <a:spLocks noGrp="1"/>
-          </p:cNvSpPr>
-          <p:nvPr>
-            <p:ph type="title"/>
-          </p:nvPr>
-        </p:nvSpPr>
-        <p:spPr/>
-        <p:txBody>
-          <a:bodyPr/>
-          <a:lstStyle/>
-          <a:p>
-            <a:r>
-              <a:rPr lang="en-US"/>
-              <a:t>Evaluation Devices</a:t>
-            </a:r>
-          </a:p>
-        </p:txBody>
-      </p:sp>
-      <p:sp>
-        <p:nvSpPr>
-          <p:cNvPr id="6" name="Text Placeholder 5"/>
-          <p:cNvSpPr>
-            <a:spLocks noGrp="1"/>
-          </p:cNvSpPr>
-          <p:nvPr>
-            <p:ph type="body" idx="1"/>
-          </p:nvPr>
-        </p:nvSpPr>
-        <p:spPr/>
-        <p:txBody>
-          <a:bodyPr/>
-          <a:lstStyle/>
-          <a:p>
-            <a:endParaRPr lang="en-US"/>
-          </a:p>
-        </p:txBody>
-      </p:sp>
-      <p:pic>
-        <p:nvPicPr>
-          <p:cNvPr id="14" name="Content Placeholder 13" descr="nexus10.jpeg"/>
-          <p:cNvPicPr>
-            <a:picLocks noGrp="1" noChangeAspect="1"/>
-          </p:cNvPicPr>
-          <p:nvPr>
-            <p:ph sz="half" idx="2"/>
-          </p:nvPr>
-        </p:nvPicPr>
-        <p:blipFill>
-          <a:blip r:embed="rId3"/>
-          <a:stretch>
-            <a:fillRect/>
-          </a:stretch>
-        </p:blipFill>
-        <p:spPr>
-          <a:xfrm>
-            <a:off x="839788" y="2582103"/>
-            <a:ext cx="5157787" cy="3530532"/>
-          </a:xfrm>
-        </p:spPr>
-      </p:pic>
-      <p:sp>
-        <p:nvSpPr>
-          <p:cNvPr id="8" name="Text Placeholder 7"/>
-          <p:cNvSpPr>
-            <a:spLocks noGrp="1"/>
-          </p:cNvSpPr>
-          <p:nvPr>
-            <p:ph type="body" sz="quarter" idx="3"/>
-          </p:nvPr>
-        </p:nvSpPr>
-        <p:spPr/>
-        <p:txBody>
-          <a:bodyPr/>
-          <a:lstStyle/>
-          <a:p>
-            <a:endParaRPr lang="en-US"/>
-          </a:p>
-        </p:txBody>
-      </p:sp>
-      <p:pic>
-        <p:nvPicPr>
-          <p:cNvPr id="15" name="Content Placeholder 14" descr="nexus7.png"/>
-          <p:cNvPicPr>
-            <a:picLocks noGrp="1" noChangeAspect="1"/>
-          </p:cNvPicPr>
-          <p:nvPr>
-            <p:ph sz="quarter" idx="4"/>
-          </p:nvPr>
-        </p:nvPicPr>
-        <p:blipFill>
-          <a:blip r:embed="rId4"/>
-          <a:stretch>
-            <a:fillRect/>
-          </a:stretch>
-        </p:blipFill>
-        <p:spPr>
-          <a:xfrm>
-            <a:off x="7535916" y="2505075"/>
-            <a:ext cx="2455756" cy="3684588"/>
-          </a:xfrm>
-        </p:spPr>
-      </p:pic>
-      <p:pic>
-        <p:nvPicPr>
-          <p:cNvPr id="16" name="Picture 15" descr="smt900.jpg"/>
-          <p:cNvPicPr>
-            <a:picLocks noChangeAspect="1"/>
-          </p:cNvPicPr>
-          <p:nvPr/>
-        </p:nvPicPr>
-        <p:blipFill>
-          <a:blip r:embed="rId5"/>
-          <a:stretch>
-            <a:fillRect/>
-          </a:stretch>
-        </p:blipFill>
-        <p:spPr>
-          <a:xfrm>
-            <a:off x="8758199" y="-97400"/>
-            <a:ext cx="2743200" cy="2743200"/>
-          </a:xfrm>
-          <a:prstGeom prst="rect">
-            <a:avLst/>
-          </a:prstGeom>
-        </p:spPr>
-      </p:pic>
-      <p:pic>
-        <p:nvPicPr>
-          <p:cNvPr id="17" name="Picture 16" descr="nexus5.png"/>
-          <p:cNvPicPr>
-            <a:picLocks noChangeAspect="1"/>
-          </p:cNvPicPr>
-          <p:nvPr/>
-        </p:nvPicPr>
-        <p:blipFill>
-          <a:blip r:embed="rId6"/>
-          <a:stretch>
-            <a:fillRect/>
-          </a:stretch>
-        </p:blipFill>
-        <p:spPr>
-          <a:xfrm>
-            <a:off x="5335275" y="3132846"/>
-            <a:ext cx="2743200" cy="4114800"/>
-          </a:xfrm>
-          <a:prstGeom prst="rect">
-            <a:avLst/>
-          </a:prstGeom>
-        </p:spPr>
-      </p:pic>
-      <p:pic>
-        <p:nvPicPr>
-          <p:cNvPr id="18" name="Picture 17" descr="htc1.jpg"/>
-          <p:cNvPicPr>
-            <a:picLocks noChangeAspect="1"/>
-          </p:cNvPicPr>
-          <p:nvPr/>
-        </p:nvPicPr>
-        <p:blipFill>
-          <a:blip r:embed="rId7"/>
-          <a:stretch>
-            <a:fillRect/>
-          </a:stretch>
-        </p:blipFill>
-        <p:spPr>
-          <a:xfrm>
-            <a:off x="9790978" y="2972465"/>
-            <a:ext cx="2743200" cy="2743200"/>
-          </a:xfrm>
-          <a:prstGeom prst="rect">
-            <a:avLst/>
-          </a:prstGeom>
-        </p:spPr>
-      </p:pic>
-      <p:pic>
-        <p:nvPicPr>
-          <p:cNvPr id="19" name="Picture 18" descr="galaxynexus.jpg"/>
-          <p:cNvPicPr>
-            <a:picLocks noChangeAspect="1"/>
-          </p:cNvPicPr>
-          <p:nvPr/>
-        </p:nvPicPr>
-        <p:blipFill>
-          <a:blip r:embed="rId8"/>
-          <a:stretch>
-            <a:fillRect/>
-          </a:stretch>
-        </p:blipFill>
-        <p:spPr>
-          <a:xfrm>
-            <a:off x="318921" y="414244"/>
-            <a:ext cx="2743200" cy="2743200"/>
-          </a:xfrm>
-          <a:prstGeom prst="rect">
-            <a:avLst/>
-          </a:prstGeom>
-        </p:spPr>
-      </p:pic>
-    </p:spTree>
-    <p:extLst>
-      <p:ext uri="{BB962C8B-B14F-4D97-AF65-F5344CB8AC3E}">
-        <p14:creationId xmlns:p14="http://schemas.microsoft.com/office/powerpoint/2010/main" val="490729143"/>
-      </p:ext>
-    </p:extLst>
-  </p:cSld>
-  <p:clrMapOvr>
-    <a:masterClrMapping/>
-  </p:clrMapOvr>
-</p:sld>
-</file>
-
-<file path=ppt/slides/slide8.xml><?xml version="1.0" encoding="utf-8"?>
-<p:sld xmlns:a="http://schemas.openxmlformats.org/drawingml/2006/main" xmlns:r="http://schemas.openxmlformats.org/officeDocument/2006/relationships" xmlns:p="http://schemas.openxmlformats.org/presentationml/2006/main">
-  <p:cSld>
-    <p:spTree>
-      <p:nvGrpSpPr>
-        <p:cNvPr id="1" name=""/>
-        <p:cNvGrpSpPr/>
-        <p:nvPr/>
-      </p:nvGrpSpPr>
-      <p:grpSpPr>
-        <a:xfrm>
-          <a:off x="0" y="0"/>
-          <a:ext cx="0" cy="0"/>
-          <a:chOff x="0" y="0"/>
-          <a:chExt cx="0" cy="0"/>
-        </a:xfrm>
-      </p:grpSpPr>
-      <p:sp>
-        <p:nvSpPr>
-          <p:cNvPr id="4" name="Title 3"/>
-          <p:cNvSpPr>
-            <a:spLocks noGrp="1"/>
-          </p:cNvSpPr>
-          <p:nvPr>
-            <p:ph type="title"/>
-          </p:nvPr>
-        </p:nvSpPr>
-        <p:spPr/>
-        <p:txBody>
-          <a:bodyPr/>
-          <a:lstStyle/>
-          <a:p>
-            <a:r>
-              <a:rPr lang="en-US"/>
-              <a:t>Performance</a:t>
-            </a:r>
-          </a:p>
-        </p:txBody>
-      </p:sp>
-      <p:sp>
-        <p:nvSpPr>
-          <p:cNvPr id="5" name="Content Placeholder 4"/>
-          <p:cNvSpPr>
-            <a:spLocks noGrp="1"/>
-          </p:cNvSpPr>
-          <p:nvPr>
-            <p:ph idx="1"/>
-          </p:nvPr>
-        </p:nvSpPr>
-        <p:spPr/>
-        <p:txBody>
-          <a:bodyPr/>
-          <a:lstStyle/>
-          <a:p>
-            <a:endParaRPr lang="en-US"/>
-          </a:p>
-        </p:txBody>
-      </p:sp>
-    </p:spTree>
-    <p:extLst>
-      <p:ext uri="{BB962C8B-B14F-4D97-AF65-F5344CB8AC3E}">
-        <p14:creationId xmlns:p14="http://schemas.microsoft.com/office/powerpoint/2010/main" val="2842585721"/>
-      </p:ext>
-    </p:extLst>
-  </p:cSld>
-  <p:clrMapOvr>
-    <a:masterClrMapping/>
-  </p:clrMapOvr>
-</p:sld>
-</file>
-
 <file path=ppt/slides/slide9.xml><?xml version="1.0" encoding="utf-8"?>
 <p:sld xmlns:a="http://schemas.openxmlformats.org/drawingml/2006/main" xmlns:r="http://schemas.openxmlformats.org/officeDocument/2006/relationships" xmlns:p="http://schemas.openxmlformats.org/presentationml/2006/main">
   <p:cSld>
@@ -5241,37 +6322,13 @@
           <a:chExt cx="0" cy="0"/>
         </a:xfrm>
       </p:grpSpPr>
-      <p:sp>
-        <p:nvSpPr>
-          <p:cNvPr id="4" name="Title 3"/>
-          <p:cNvSpPr>
-            <a:spLocks noGrp="1"/>
-          </p:cNvSpPr>
-          <p:nvPr>
-            <p:ph type="title"/>
-          </p:nvPr>
-        </p:nvSpPr>
-        <p:spPr/>
-        <p:txBody>
-          <a:bodyPr/>
-          <a:lstStyle/>
-          <a:p>
-            <a:r>
-              <a:rPr lang="en-US"/>
-              <a:t>Power Usage</a:t>
-            </a:r>
-          </a:p>
-        </p:txBody>
-      </p:sp>
       <p:pic>
         <p:nvPicPr>
-          <p:cNvPr id="2" name="Content Placeholder 1" descr="power_icon.png"/>
+          <p:cNvPr id="2" name="Picture 1"/>
           <p:cNvPicPr>
-            <a:picLocks noGrp="1" noChangeAspect="1"/>
+            <a:picLocks noChangeAspect="1"/>
           </p:cNvPicPr>
-          <p:nvPr>
-            <p:ph idx="1"/>
-          </p:nvPr>
+          <p:nvPr/>
         </p:nvPicPr>
         <p:blipFill>
           <a:blip r:embed="rId3"/>
@@ -5281,15 +6338,183 @@
         </p:blipFill>
         <p:spPr>
           <a:xfrm>
-            <a:off x="7864241" y="222484"/>
-            <a:ext cx="4380738" cy="4351338"/>
+            <a:off x="5137263" y="1027906"/>
+            <a:ext cx="6672112" cy="5548748"/>
           </a:xfrm>
+          <a:prstGeom prst="rect">
+            <a:avLst/>
+          </a:prstGeom>
+        </p:spPr>
+      </p:pic>
+      <p:sp>
+        <p:nvSpPr>
+          <p:cNvPr id="4" name="Title 3"/>
+          <p:cNvSpPr>
+            <a:spLocks noGrp="1"/>
+          </p:cNvSpPr>
+          <p:nvPr>
+            <p:ph type="title"/>
+          </p:nvPr>
+        </p:nvSpPr>
+        <p:spPr/>
+        <p:txBody>
+          <a:bodyPr/>
+          <a:lstStyle/>
+          <a:p>
+            <a:r>
+              <a:rPr lang="en-US"/>
+              <a:t>Evaluation Devices</a:t>
+            </a:r>
+          </a:p>
+        </p:txBody>
+      </p:sp>
+      <p:pic>
+        <p:nvPicPr>
+          <p:cNvPr id="14" name="Content Placeholder 13" descr="nexus10.jpeg"/>
+          <p:cNvPicPr>
+            <a:picLocks noGrp="1" noChangeAspect="1"/>
+          </p:cNvPicPr>
+          <p:nvPr>
+            <p:ph sz="half" idx="2"/>
+          </p:nvPr>
+        </p:nvPicPr>
+        <p:blipFill>
+          <a:blip r:embed="rId4"/>
+          <a:stretch>
+            <a:fillRect/>
+          </a:stretch>
+        </p:blipFill>
+        <p:spPr>
+          <a:xfrm>
+            <a:off x="3787369" y="4583211"/>
+            <a:ext cx="1371454" cy="938766"/>
+          </a:xfrm>
+        </p:spPr>
+      </p:pic>
+      <p:pic>
+        <p:nvPicPr>
+          <p:cNvPr id="15" name="Content Placeholder 14" descr="nexus7.png"/>
+          <p:cNvPicPr>
+            <a:picLocks noGrp="1" noChangeAspect="1"/>
+          </p:cNvPicPr>
+          <p:nvPr>
+            <p:ph sz="quarter" idx="4"/>
+          </p:nvPr>
+        </p:nvPicPr>
+        <p:blipFill>
+          <a:blip r:embed="rId5">
+            <a:extLst>
+              <a:ext uri="{BEBA8EAE-BF5A-486C-A8C5-ECC9F3942E4B}">
+                <a14:imgProps xmlns:a14="http://schemas.microsoft.com/office/drawing/2010/main">
+                  <a14:imgLayer r:embed="rId6">
+                    <a14:imgEffect>
+                      <a14:backgroundRemoval t="3723" b="96019" l="9853" r="89915">
+                        <a14:backgroundMark x1="34600" y1="86194" x2="34600" y2="86194"/>
+                      </a14:backgroundRemoval>
+                    </a14:imgEffect>
+                  </a14:imgLayer>
+                </a14:imgProps>
+              </a:ext>
+            </a:extLst>
+          </a:blip>
+          <a:stretch>
+            <a:fillRect/>
+          </a:stretch>
+        </p:blipFill>
+        <p:spPr>
+          <a:xfrm rot="5400000">
+            <a:off x="3968865" y="3356012"/>
+            <a:ext cx="1049880" cy="1575228"/>
+          </a:xfrm>
+        </p:spPr>
+      </p:pic>
+      <p:pic>
+        <p:nvPicPr>
+          <p:cNvPr id="16" name="Picture 15" descr="smt900.jpg"/>
+          <p:cNvPicPr>
+            <a:picLocks noChangeAspect="1"/>
+          </p:cNvPicPr>
+          <p:nvPr/>
+        </p:nvPicPr>
+        <p:blipFill>
+          <a:blip r:embed="rId7"/>
+          <a:stretch>
+            <a:fillRect/>
+          </a:stretch>
+        </p:blipFill>
+        <p:spPr>
+          <a:xfrm>
+            <a:off x="3927296" y="5501195"/>
+            <a:ext cx="1182108" cy="1182108"/>
+          </a:xfrm>
+          <a:prstGeom prst="rect">
+            <a:avLst/>
+          </a:prstGeom>
+        </p:spPr>
+      </p:pic>
+      <p:pic>
+        <p:nvPicPr>
+          <p:cNvPr id="17" name="Picture 16" descr="nexus5.png"/>
+          <p:cNvPicPr>
+            <a:picLocks noChangeAspect="1"/>
+          </p:cNvPicPr>
+          <p:nvPr/>
+        </p:nvPicPr>
+        <p:blipFill>
+          <a:blip r:embed="rId8">
+            <a:extLst>
+              <a:ext uri="{BEBA8EAE-BF5A-486C-A8C5-ECC9F3942E4B}">
+                <a14:imgProps xmlns:a14="http://schemas.microsoft.com/office/drawing/2010/main">
+                  <a14:imgLayer r:embed="rId9">
+                    <a14:imgEffect>
+                      <a14:backgroundRemoval t="2222" b="97000" l="10000" r="90000"/>
+                    </a14:imgEffect>
+                  </a14:imgLayer>
+                </a14:imgProps>
+              </a:ext>
+            </a:extLst>
+          </a:blip>
+          <a:stretch>
+            <a:fillRect/>
+          </a:stretch>
+        </p:blipFill>
+        <p:spPr>
+          <a:xfrm>
+            <a:off x="4475124" y="2615079"/>
+            <a:ext cx="773812" cy="1160720"/>
+          </a:xfrm>
+          <a:prstGeom prst="rect">
+            <a:avLst/>
+          </a:prstGeom>
+        </p:spPr>
+      </p:pic>
+      <p:pic>
+        <p:nvPicPr>
+          <p:cNvPr id="19" name="Picture 18" descr="galaxynexus.jpg"/>
+          <p:cNvPicPr>
+            <a:picLocks noChangeAspect="1"/>
+          </p:cNvPicPr>
+          <p:nvPr/>
+        </p:nvPicPr>
+        <p:blipFill rotWithShape="1">
+          <a:blip r:embed="rId10"/>
+          <a:srcRect l="22281" r="22694"/>
+          <a:stretch/>
+        </p:blipFill>
+        <p:spPr>
+          <a:xfrm>
+            <a:off x="4518350" y="1436150"/>
+            <a:ext cx="665018" cy="1208582"/>
+          </a:xfrm>
+          <a:prstGeom prst="rect">
+            <a:avLst/>
+          </a:prstGeom>
         </p:spPr>
       </p:pic>
     </p:spTree>
     <p:extLst>
       <p:ext uri="{BB962C8B-B14F-4D97-AF65-F5344CB8AC3E}">
-        <p14:creationId xmlns:p14="http://schemas.microsoft.com/office/powerpoint/2010/main" val="654710854"/>
+        <p14:creationId xmlns:p14="http://schemas.microsoft.com/office/powerpoint/2010/main" val="490729143"/>
       </p:ext>
     </p:extLst>
   </p:cSld>
